--- a/solutions/cisco/devops/ci-cd-automation/presales/solution-briefing.pptx
+++ b/solutions/cisco/devops/ci-cd-automation/presales/solution-briefing.pptx
@@ -4814,19 +4814,19 @@
           <a:p>
             <a:pPr lvl="1"/>
             <a:r>
-              <a:t>GitLab Premium with CI/CD runners for automated testing and deployment pipelines</a:t>
+              <a:t>GitLab Premium with CI/CD runners for automated testing and deployment</a:t>
             </a:r>
           </a:p>
           <a:p>
             <a:pPr lvl="1"/>
             <a:r>
-              <a:t>Ansible playbooks with configuration templates for Cisco IOS-XE, NX-OS, and ASA</a:t>
+              <a:t>Ansible playbooks with templates for Cisco IOS-XE, NX-OS, and ASA</a:t>
             </a:r>
           </a:p>
           <a:p>
             <a:pPr lvl="1"/>
             <a:r>
-              <a:t>NetBox IPAM as network source of truth with dynamic inventory integration</a:t>
+              <a:t>NetBox IPAM as network source of truth with dynamic inventory</a:t>
             </a:r>
           </a:p>
           <a:p>
@@ -4839,25 +4839,19 @@
           <a:p>
             <a:pPr lvl="1"/>
             <a:r>
-              <a:t>Version Control: GitLab self-hosted with merge request workflows</a:t>
+              <a:t>Platform: GitLab self-hosted with CI/CD pipelines and merge request workflows</a:t>
             </a:r>
           </a:p>
           <a:p>
             <a:pPr lvl="1"/>
             <a:r>
-              <a:t>Automation: Ansible for config management, Terraform for IaC (optional)</a:t>
+              <a:t>Automation: Ansible and Terraform for configuration management and IaC</a:t>
             </a:r>
           </a:p>
           <a:p>
             <a:pPr lvl="1"/>
             <a:r>
-              <a:t>CI/CD: GitLab pipelines with syntax validation and pre-deployment testing</a:t>
-            </a:r>
-          </a:p>
-          <a:p>
-            <a:pPr lvl="1"/>
-            <a:r>
-              <a:t>Secrets: Vault integration for credential management</a:t>
+              <a:t>Security: Vault integration for secrets and credential management</a:t>
             </a:r>
           </a:p>
         </p:txBody>
@@ -5686,7 +5680,7 @@
               <a:t>Client:</a:t>
             </a:r>
             <a:r>
-              <a:t> Multi-branch financial institution with 120 network devices across 15 retail locations supporting ATM networks, branch connectivity, and customer-facing applications</a:t>
+              <a:t> Financial institution with 120 devices across 15 retail locations</a:t>
             </a:r>
           </a:p>
           <a:p>
@@ -5696,7 +5690,7 @@
               <a:t>Challenge:</a:t>
             </a:r>
             <a:r>
-              <a:t> Manual CLI configuration causing 15% error rate leading to network outages. Device provisioning taking 4-6 hours per site delaying branch openings. No change tracking for PCI DSS compliance audits failing security reviews.</a:t>
+              <a:t> 15% error rate causing outages. 4-6 hour provisioning delaying openings. No change tracking failing PCI DSS audits.</a:t>
             </a:r>
           </a:p>
           <a:p>
@@ -5706,7 +5700,7 @@
               <a:t>Solution:</a:t>
             </a:r>
             <a:r>
-              <a:t> Deployed GitLab CI/CD with Ansible automation for 120 Cisco devices (IOS-XE and ASA). Implemented NetBox as source of truth with dynamic inventory. Created standardized playbooks for VLAN, ACL, routing, and compliance configuration with automated validation.</a:t>
+              <a:t> GitLab CI/CD with Ansible for 120 devices, NetBox source of truth, standardized playbooks.</a:t>
             </a:r>
           </a:p>
           <a:p>
@@ -5716,7 +5710,7 @@
               <a:t>Results:</a:t>
             </a:r>
             <a:r>
-              <a:t> 96% faster provisioning (4 hours to 10 minutes) enabling same-day branch deployments. 87% error reduction (15% to 2%) through automated validation catching mistakes before production. Complete Git audit trail achieving PCI DSS compliance. $52K annual savings with 18-month ROI.</a:t>
+              <a:t> 96% faster provisioning (10 minutes vs 4 hours). 87% error reduction. PCI DSS compliance achieved. $52K annual savings.</a:t>
             </a:r>
           </a:p>
           <a:p>
@@ -5726,7 +5720,7 @@
               <a:t>Testimonial:</a:t>
             </a:r>
             <a:r>
-              <a:t> "Network automation transformed our operations from error-prone manual processes to reliable infrastructure as code. We deploy new branches in hours instead of days, and our PCI audits are now straightforward with complete change tracking." — </a:t>
+              <a:t> "Network automation transformed us from error-prone manual processes to reliable infrastructure as code. We deploy new branches in hours instead of days." — </a:t>
             </a:r>
             <a:r>
               <a:rPr b="1"/>

--- a/solutions/cisco/devops/ci-cd-automation/presales/solution-briefing.pptx
+++ b/solutions/cisco/devops/ci-cd-automation/presales/solution-briefing.pptx
@@ -693,6 +693,39 @@
       </p:grpSpPr>
       <p:sp>
         <p:nvSpPr>
+          <p:cNvPr id="12" name="Picture Placeholder 13">
+            <a:extLst>
+              <a:ext uri="{FF2B5EF4-FFF2-40B4-BE49-F238E27FC236}">
+                <a16:creationId xmlns:a16="http://schemas.microsoft.com/office/drawing/2014/main" id="{2DB97592-C4D5-B315-7F11-AA14F6EE8A62}"/>
+              </a:ext>
+            </a:extLst>
+          </p:cNvPr>
+          <p:cNvSpPr>
+            <a:spLocks noGrp="1"/>
+          </p:cNvSpPr>
+          <p:nvPr>
+            <p:ph type="pic" sz="quarter" idx="13"/>
+          </p:nvPr>
+        </p:nvSpPr>
+        <p:spPr>
+          <a:xfrm>
+            <a:off x="313593" y="4536078"/>
+            <a:ext cx="2143858" cy="529698"/>
+          </a:xfrm>
+          <a:prstGeom prst="rect">
+            <a:avLst/>
+          </a:prstGeom>
+        </p:spPr>
+        <p:txBody>
+          <a:bodyPr/>
+          <a:lstStyle/>
+          <a:p>
+            <a:endParaRPr lang="en-US" dirty="0"/>
+          </a:p>
+        </p:txBody>
+      </p:sp>
+      <p:sp>
+        <p:nvSpPr>
           <p:cNvPr id="3" name="Shape 1">
             <a:extLst>
               <a:ext uri="{FF2B5EF4-FFF2-40B4-BE49-F238E27FC236}">
@@ -782,39 +815,6 @@
               <a:rPr lang="en-US" dirty="0"/>
               <a:t>Slide Title</a:t>
             </a:r>
-          </a:p>
-        </p:txBody>
-      </p:sp>
-      <p:sp>
-        <p:nvSpPr>
-          <p:cNvPr id="12" name="Picture Placeholder 13">
-            <a:extLst>
-              <a:ext uri="{FF2B5EF4-FFF2-40B4-BE49-F238E27FC236}">
-                <a16:creationId xmlns:a16="http://schemas.microsoft.com/office/drawing/2014/main" id="{2DB97592-C4D5-B315-7F11-AA14F6EE8A62}"/>
-              </a:ext>
-            </a:extLst>
-          </p:cNvPr>
-          <p:cNvSpPr>
-            <a:spLocks noGrp="1"/>
-          </p:cNvSpPr>
-          <p:nvPr>
-            <p:ph type="pic" sz="quarter" idx="13"/>
-          </p:nvPr>
-        </p:nvSpPr>
-        <p:spPr>
-          <a:xfrm>
-            <a:off x="313593" y="4536078"/>
-            <a:ext cx="2143858" cy="529698"/>
-          </a:xfrm>
-          <a:prstGeom prst="rect">
-            <a:avLst/>
-          </a:prstGeom>
-        </p:spPr>
-        <p:txBody>
-          <a:bodyPr/>
-          <a:lstStyle/>
-          <a:p>
-            <a:endParaRPr lang="en-US" dirty="0"/>
           </a:p>
         </p:txBody>
       </p:sp>
@@ -971,6 +971,39 @@
       </p:grpSpPr>
       <p:sp>
         <p:nvSpPr>
+          <p:cNvPr id="12" name="Picture Placeholder 13">
+            <a:extLst>
+              <a:ext uri="{FF2B5EF4-FFF2-40B4-BE49-F238E27FC236}">
+                <a16:creationId xmlns:a16="http://schemas.microsoft.com/office/drawing/2014/main" id="{2DB97592-C4D5-B315-7F11-AA14F6EE8A62}"/>
+              </a:ext>
+            </a:extLst>
+          </p:cNvPr>
+          <p:cNvSpPr>
+            <a:spLocks noGrp="1"/>
+          </p:cNvSpPr>
+          <p:nvPr>
+            <p:ph type="pic" sz="quarter" idx="13"/>
+          </p:nvPr>
+        </p:nvSpPr>
+        <p:spPr>
+          <a:xfrm>
+            <a:off x="313593" y="4536078"/>
+            <a:ext cx="2143858" cy="529698"/>
+          </a:xfrm>
+          <a:prstGeom prst="rect">
+            <a:avLst/>
+          </a:prstGeom>
+        </p:spPr>
+        <p:txBody>
+          <a:bodyPr/>
+          <a:lstStyle/>
+          <a:p>
+            <a:endParaRPr lang="en-US" dirty="0"/>
+          </a:p>
+        </p:txBody>
+      </p:sp>
+      <p:sp>
+        <p:nvSpPr>
           <p:cNvPr id="3" name="Shape 1">
             <a:extLst>
               <a:ext uri="{FF2B5EF4-FFF2-40B4-BE49-F238E27FC236}">
@@ -1060,39 +1093,6 @@
               <a:rPr lang="en-US" dirty="0"/>
               <a:t>Bullet Points</a:t>
             </a:r>
-          </a:p>
-        </p:txBody>
-      </p:sp>
-      <p:sp>
-        <p:nvSpPr>
-          <p:cNvPr id="12" name="Picture Placeholder 13">
-            <a:extLst>
-              <a:ext uri="{FF2B5EF4-FFF2-40B4-BE49-F238E27FC236}">
-                <a16:creationId xmlns:a16="http://schemas.microsoft.com/office/drawing/2014/main" id="{2DB97592-C4D5-B315-7F11-AA14F6EE8A62}"/>
-              </a:ext>
-            </a:extLst>
-          </p:cNvPr>
-          <p:cNvSpPr>
-            <a:spLocks noGrp="1"/>
-          </p:cNvSpPr>
-          <p:nvPr>
-            <p:ph type="pic" sz="quarter" idx="13"/>
-          </p:nvPr>
-        </p:nvSpPr>
-        <p:spPr>
-          <a:xfrm>
-            <a:off x="313593" y="4536078"/>
-            <a:ext cx="2143858" cy="529698"/>
-          </a:xfrm>
-          <a:prstGeom prst="rect">
-            <a:avLst/>
-          </a:prstGeom>
-        </p:spPr>
-        <p:txBody>
-          <a:bodyPr/>
-          <a:lstStyle/>
-          <a:p>
-            <a:endParaRPr lang="en-US" dirty="0"/>
           </a:p>
         </p:txBody>
       </p:sp>
@@ -1235,6 +1235,39 @@
       </p:grpSpPr>
       <p:sp>
         <p:nvSpPr>
+          <p:cNvPr id="10" name="Picture Placeholder 13">
+            <a:extLst>
+              <a:ext uri="{FF2B5EF4-FFF2-40B4-BE49-F238E27FC236}">
+                <a16:creationId xmlns:a16="http://schemas.microsoft.com/office/drawing/2014/main" id="{6A0FA445-7602-F06E-EC73-5504EBF827CC}"/>
+              </a:ext>
+            </a:extLst>
+          </p:cNvPr>
+          <p:cNvSpPr>
+            <a:spLocks noGrp="1"/>
+          </p:cNvSpPr>
+          <p:nvPr>
+            <p:ph type="pic" sz="quarter" idx="14"/>
+          </p:nvPr>
+        </p:nvSpPr>
+        <p:spPr>
+          <a:xfrm>
+            <a:off x="313592" y="4536078"/>
+            <a:ext cx="2121877" cy="529698"/>
+          </a:xfrm>
+          <a:prstGeom prst="rect">
+            <a:avLst/>
+          </a:prstGeom>
+        </p:spPr>
+        <p:txBody>
+          <a:bodyPr/>
+          <a:lstStyle/>
+          <a:p>
+            <a:endParaRPr lang="en-US" dirty="0"/>
+          </a:p>
+        </p:txBody>
+      </p:sp>
+      <p:sp>
+        <p:nvSpPr>
           <p:cNvPr id="3" name="Shape 1">
             <a:extLst>
               <a:ext uri="{FF2B5EF4-FFF2-40B4-BE49-F238E27FC236}">
@@ -1324,39 +1357,6 @@
               <a:rPr lang="en-US" dirty="0"/>
               <a:t>Two Column Layout</a:t>
             </a:r>
-          </a:p>
-        </p:txBody>
-      </p:sp>
-      <p:sp>
-        <p:nvSpPr>
-          <p:cNvPr id="10" name="Picture Placeholder 13">
-            <a:extLst>
-              <a:ext uri="{FF2B5EF4-FFF2-40B4-BE49-F238E27FC236}">
-                <a16:creationId xmlns:a16="http://schemas.microsoft.com/office/drawing/2014/main" id="{6A0FA445-7602-F06E-EC73-5504EBF827CC}"/>
-              </a:ext>
-            </a:extLst>
-          </p:cNvPr>
-          <p:cNvSpPr>
-            <a:spLocks noGrp="1"/>
-          </p:cNvSpPr>
-          <p:nvPr>
-            <p:ph type="pic" sz="quarter" idx="14"/>
-          </p:nvPr>
-        </p:nvSpPr>
-        <p:spPr>
-          <a:xfrm>
-            <a:off x="313592" y="4536078"/>
-            <a:ext cx="2121877" cy="529698"/>
-          </a:xfrm>
-          <a:prstGeom prst="rect">
-            <a:avLst/>
-          </a:prstGeom>
-        </p:spPr>
-        <p:txBody>
-          <a:bodyPr/>
-          <a:lstStyle/>
-          <a:p>
-            <a:endParaRPr lang="en-US" dirty="0"/>
           </a:p>
         </p:txBody>
       </p:sp>
@@ -1604,6 +1604,39 @@
       </p:grpSpPr>
       <p:sp>
         <p:nvSpPr>
+          <p:cNvPr id="12" name="Picture Placeholder 13">
+            <a:extLst>
+              <a:ext uri="{FF2B5EF4-FFF2-40B4-BE49-F238E27FC236}">
+                <a16:creationId xmlns:a16="http://schemas.microsoft.com/office/drawing/2014/main" id="{2DB97592-C4D5-B315-7F11-AA14F6EE8A62}"/>
+              </a:ext>
+            </a:extLst>
+          </p:cNvPr>
+          <p:cNvSpPr>
+            <a:spLocks noGrp="1"/>
+          </p:cNvSpPr>
+          <p:nvPr>
+            <p:ph type="pic" sz="quarter" idx="13"/>
+          </p:nvPr>
+        </p:nvSpPr>
+        <p:spPr>
+          <a:xfrm>
+            <a:off x="313592" y="4536078"/>
+            <a:ext cx="2126273" cy="529698"/>
+          </a:xfrm>
+          <a:prstGeom prst="rect">
+            <a:avLst/>
+          </a:prstGeom>
+        </p:spPr>
+        <p:txBody>
+          <a:bodyPr/>
+          <a:lstStyle/>
+          <a:p>
+            <a:endParaRPr lang="en-US" dirty="0"/>
+          </a:p>
+        </p:txBody>
+      </p:sp>
+      <p:sp>
+        <p:nvSpPr>
           <p:cNvPr id="3" name="Shape 1">
             <a:extLst>
               <a:ext uri="{FF2B5EF4-FFF2-40B4-BE49-F238E27FC236}">
@@ -1719,39 +1752,6 @@
           </a:p>
           <a:p>
             <a:pPr lvl="0"/>
-            <a:endParaRPr lang="en-US" dirty="0"/>
-          </a:p>
-        </p:txBody>
-      </p:sp>
-      <p:sp>
-        <p:nvSpPr>
-          <p:cNvPr id="12" name="Picture Placeholder 13">
-            <a:extLst>
-              <a:ext uri="{FF2B5EF4-FFF2-40B4-BE49-F238E27FC236}">
-                <a16:creationId xmlns:a16="http://schemas.microsoft.com/office/drawing/2014/main" id="{2DB97592-C4D5-B315-7F11-AA14F6EE8A62}"/>
-              </a:ext>
-            </a:extLst>
-          </p:cNvPr>
-          <p:cNvSpPr>
-            <a:spLocks noGrp="1"/>
-          </p:cNvSpPr>
-          <p:nvPr>
-            <p:ph type="pic" sz="quarter" idx="13"/>
-          </p:nvPr>
-        </p:nvSpPr>
-        <p:spPr>
-          <a:xfrm>
-            <a:off x="313592" y="4536078"/>
-            <a:ext cx="2126273" cy="529698"/>
-          </a:xfrm>
-          <a:prstGeom prst="rect">
-            <a:avLst/>
-          </a:prstGeom>
-        </p:spPr>
-        <p:txBody>
-          <a:bodyPr/>
-          <a:lstStyle/>
-          <a:p>
             <a:endParaRPr lang="en-US" dirty="0"/>
           </a:p>
         </p:txBody>
@@ -1863,6 +1863,39 @@
       </p:grpSpPr>
       <p:sp>
         <p:nvSpPr>
+          <p:cNvPr id="10" name="Picture Placeholder 13">
+            <a:extLst>
+              <a:ext uri="{FF2B5EF4-FFF2-40B4-BE49-F238E27FC236}">
+                <a16:creationId xmlns:a16="http://schemas.microsoft.com/office/drawing/2014/main" id="{6A0FA445-7602-F06E-EC73-5504EBF827CC}"/>
+              </a:ext>
+            </a:extLst>
+          </p:cNvPr>
+          <p:cNvSpPr>
+            <a:spLocks noGrp="1"/>
+          </p:cNvSpPr>
+          <p:nvPr>
+            <p:ph type="pic" sz="quarter" idx="14"/>
+          </p:nvPr>
+        </p:nvSpPr>
+        <p:spPr>
+          <a:xfrm>
+            <a:off x="313592" y="4536078"/>
+            <a:ext cx="2130670" cy="529698"/>
+          </a:xfrm>
+          <a:prstGeom prst="rect">
+            <a:avLst/>
+          </a:prstGeom>
+        </p:spPr>
+        <p:txBody>
+          <a:bodyPr/>
+          <a:lstStyle/>
+          <a:p>
+            <a:endParaRPr lang="en-US" dirty="0"/>
+          </a:p>
+        </p:txBody>
+      </p:sp>
+      <p:sp>
+        <p:nvSpPr>
           <p:cNvPr id="3" name="Shape 1">
             <a:extLst>
               <a:ext uri="{FF2B5EF4-FFF2-40B4-BE49-F238E27FC236}">
@@ -1952,39 +1985,6 @@
               <a:rPr lang="en-US" dirty="0"/>
               <a:t>Visual Content</a:t>
             </a:r>
-          </a:p>
-        </p:txBody>
-      </p:sp>
-      <p:sp>
-        <p:nvSpPr>
-          <p:cNvPr id="10" name="Picture Placeholder 13">
-            <a:extLst>
-              <a:ext uri="{FF2B5EF4-FFF2-40B4-BE49-F238E27FC236}">
-                <a16:creationId xmlns:a16="http://schemas.microsoft.com/office/drawing/2014/main" id="{6A0FA445-7602-F06E-EC73-5504EBF827CC}"/>
-              </a:ext>
-            </a:extLst>
-          </p:cNvPr>
-          <p:cNvSpPr>
-            <a:spLocks noGrp="1"/>
-          </p:cNvSpPr>
-          <p:nvPr>
-            <p:ph type="pic" sz="quarter" idx="14"/>
-          </p:nvPr>
-        </p:nvSpPr>
-        <p:spPr>
-          <a:xfrm>
-            <a:off x="313592" y="4536078"/>
-            <a:ext cx="2130670" cy="529698"/>
-          </a:xfrm>
-          <a:prstGeom prst="rect">
-            <a:avLst/>
-          </a:prstGeom>
-        </p:spPr>
-        <p:txBody>
-          <a:bodyPr/>
-          <a:lstStyle/>
-          <a:p>
-            <a:endParaRPr lang="en-US" dirty="0"/>
           </a:p>
         </p:txBody>
       </p:sp>
@@ -2180,6 +2180,39 @@
       </p:grpSpPr>
       <p:sp>
         <p:nvSpPr>
+          <p:cNvPr id="10" name="Picture Placeholder 13">
+            <a:extLst>
+              <a:ext uri="{FF2B5EF4-FFF2-40B4-BE49-F238E27FC236}">
+                <a16:creationId xmlns:a16="http://schemas.microsoft.com/office/drawing/2014/main" id="{6A0FA445-7602-F06E-EC73-5504EBF827CC}"/>
+              </a:ext>
+            </a:extLst>
+          </p:cNvPr>
+          <p:cNvSpPr>
+            <a:spLocks noGrp="1"/>
+          </p:cNvSpPr>
+          <p:nvPr>
+            <p:ph type="pic" sz="quarter" idx="14"/>
+          </p:nvPr>
+        </p:nvSpPr>
+        <p:spPr>
+          <a:xfrm>
+            <a:off x="313592" y="4536078"/>
+            <a:ext cx="2104294" cy="529698"/>
+          </a:xfrm>
+          <a:prstGeom prst="rect">
+            <a:avLst/>
+          </a:prstGeom>
+        </p:spPr>
+        <p:txBody>
+          <a:bodyPr/>
+          <a:lstStyle/>
+          <a:p>
+            <a:endParaRPr lang="en-US" dirty="0"/>
+          </a:p>
+        </p:txBody>
+      </p:sp>
+      <p:sp>
+        <p:nvSpPr>
           <p:cNvPr id="3" name="Shape 1">
             <a:extLst>
               <a:ext uri="{FF2B5EF4-FFF2-40B4-BE49-F238E27FC236}">
@@ -2269,39 +2302,6 @@
               <a:rPr lang="en-US" dirty="0"/>
               <a:t>Data Visualization</a:t>
             </a:r>
-          </a:p>
-        </p:txBody>
-      </p:sp>
-      <p:sp>
-        <p:nvSpPr>
-          <p:cNvPr id="10" name="Picture Placeholder 13">
-            <a:extLst>
-              <a:ext uri="{FF2B5EF4-FFF2-40B4-BE49-F238E27FC236}">
-                <a16:creationId xmlns:a16="http://schemas.microsoft.com/office/drawing/2014/main" id="{6A0FA445-7602-F06E-EC73-5504EBF827CC}"/>
-              </a:ext>
-            </a:extLst>
-          </p:cNvPr>
-          <p:cNvSpPr>
-            <a:spLocks noGrp="1"/>
-          </p:cNvSpPr>
-          <p:nvPr>
-            <p:ph type="pic" sz="quarter" idx="14"/>
-          </p:nvPr>
-        </p:nvSpPr>
-        <p:spPr>
-          <a:xfrm>
-            <a:off x="313592" y="4536078"/>
-            <a:ext cx="2104294" cy="529698"/>
-          </a:xfrm>
-          <a:prstGeom prst="rect">
-            <a:avLst/>
-          </a:prstGeom>
-        </p:spPr>
-        <p:txBody>
-          <a:bodyPr/>
-          <a:lstStyle/>
-          <a:p>
-            <a:endParaRPr lang="en-US" dirty="0"/>
           </a:p>
         </p:txBody>
       </p:sp>
@@ -3423,7 +3423,7 @@
       <p:grpSpPr/>
       <p:sp>
         <p:nvSpPr>
-          <p:cNvPr id="2" name="Text Placeholder 1"/>
+          <p:cNvPr id="3" name="Text Placeholder 2"/>
           <p:cNvSpPr>
             <a:spLocks noGrp="1"/>
           </p:cNvSpPr>
@@ -3727,7 +3727,7 @@
       <p:grpSpPr/>
       <p:sp>
         <p:nvSpPr>
-          <p:cNvPr id="2" name="Text Placeholder 1"/>
+          <p:cNvPr id="3" name="Text Placeholder 2"/>
           <p:cNvSpPr>
             <a:spLocks noGrp="1"/>
           </p:cNvSpPr>
@@ -3902,7 +3902,7 @@
       <p:grpSpPr/>
       <p:sp>
         <p:nvSpPr>
-          <p:cNvPr id="2" name="Text Placeholder 1"/>
+          <p:cNvPr id="3" name="Text Placeholder 2"/>
           <p:cNvSpPr>
             <a:spLocks noGrp="1"/>
           </p:cNvSpPr>
@@ -4770,7 +4770,7 @@
       <p:grpSpPr/>
       <p:sp>
         <p:nvSpPr>
-          <p:cNvPr id="2" name="Text Placeholder 1"/>
+          <p:cNvPr id="3" name="Text Placeholder 2"/>
           <p:cNvSpPr>
             <a:spLocks noGrp="1"/>
           </p:cNvSpPr>
@@ -4959,7 +4959,7 @@
       <p:grpSpPr/>
       <p:sp>
         <p:nvSpPr>
-          <p:cNvPr id="2" name="Text Placeholder 1"/>
+          <p:cNvPr id="3" name="Text Placeholder 2"/>
           <p:cNvSpPr>
             <a:spLocks noGrp="1"/>
           </p:cNvSpPr>
@@ -5143,7 +5143,7 @@
       <p:grpSpPr/>
       <p:sp>
         <p:nvSpPr>
-          <p:cNvPr id="2" name="Text Placeholder 1"/>
+          <p:cNvPr id="3" name="Text Placeholder 2"/>
           <p:cNvSpPr>
             <a:spLocks noGrp="1"/>
           </p:cNvSpPr>
@@ -5632,7 +5632,7 @@
       <p:grpSpPr/>
       <p:sp>
         <p:nvSpPr>
-          <p:cNvPr id="2" name="Text Placeholder 1"/>
+          <p:cNvPr id="3" name="Text Placeholder 2"/>
           <p:cNvSpPr>
             <a:spLocks noGrp="1"/>
           </p:cNvSpPr>
@@ -5805,7 +5805,7 @@
       <p:grpSpPr/>
       <p:sp>
         <p:nvSpPr>
-          <p:cNvPr id="2" name="Text Placeholder 1"/>
+          <p:cNvPr id="3" name="Text Placeholder 2"/>
           <p:cNvSpPr>
             <a:spLocks noGrp="1"/>
           </p:cNvSpPr>
@@ -5992,7 +5992,7 @@
       <p:grpSpPr/>
       <p:sp>
         <p:nvSpPr>
-          <p:cNvPr id="2" name="Text Placeholder 1"/>
+          <p:cNvPr id="3" name="Text Placeholder 2"/>
           <p:cNvSpPr>
             <a:spLocks noGrp="1"/>
           </p:cNvSpPr>

--- a/solutions/cisco/devops/ci-cd-automation/presales/solution-briefing.pptx
+++ b/solutions/cisco/devops/ci-cd-automation/presales/solution-briefing.pptx
@@ -3326,7 +3326,7 @@
           <a:lstStyle/>
           <a:p>
             <a:r>
-              <a:t>['Presenter Name'] | November 22, 2025</a:t>
+              <a:t>['Presenter Name'] | November 24, 2025</a:t>
             </a:r>
           </a:p>
         </p:txBody>
@@ -6215,7 +6215,7 @@
                     <a:p>
                       <a:r>
                         <a:rPr sz="1100"/>
-                        <a:t>$86,250</a:t>
+                        <a:t>$0</a:t>
                       </a:r>
                     </a:p>
                   </a:txBody>
@@ -6249,7 +6249,7 @@
                     <a:p>
                       <a:r>
                         <a:rPr sz="1100"/>
-                        <a:t>$86,250</a:t>
+                        <a:t>$0</a:t>
                       </a:r>
                     </a:p>
                   </a:txBody>
@@ -6300,7 +6300,7 @@
                     <a:p>
                       <a:r>
                         <a:rPr sz="1100"/>
-                        <a:t>$86,250</a:t>
+                        <a:t>$0</a:t>
                       </a:r>
                     </a:p>
                   </a:txBody>
@@ -6319,7 +6319,7 @@
                     <a:p>
                       <a:r>
                         <a:rPr sz="1100"/>
-                        <a:t>Cloud Infrastructure</a:t>
+                        <a:t>Cloud Services</a:t>
                       </a:r>
                     </a:p>
                   </a:txBody>
@@ -6440,7 +6440,7 @@
                     <a:p>
                       <a:r>
                         <a:rPr sz="1100"/>
-                        <a:t>Software</a:t>
+                        <a:t>Software Licenses</a:t>
                       </a:r>
                     </a:p>
                   </a:txBody>
@@ -6561,7 +6561,7 @@
                     <a:p>
                       <a:r>
                         <a:rPr sz="1100"/>
-                        <a:t>Support</a:t>
+                        <a:t>Support &amp; Maintenance</a:t>
                       </a:r>
                     </a:p>
                   </a:txBody>
@@ -6699,7 +6699,7 @@
                     <a:p>
                       <a:r>
                         <a:rPr b="1" sz="1100"/>
-                        <a:t>$93,757</a:t>
+                        <a:t>$7,507</a:t>
                       </a:r>
                     </a:p>
                   </a:txBody>
@@ -6733,7 +6733,7 @@
                     <a:p>
                       <a:r>
                         <a:rPr b="1" sz="1100"/>
-                        <a:t>$92,757</a:t>
+                        <a:t>$6,507</a:t>
                       </a:r>
                     </a:p>
                   </a:txBody>
@@ -6784,7 +6784,7 @@
                     <a:p>
                       <a:r>
                         <a:rPr b="1" sz="1100"/>
-                        <a:t>$107,771</a:t>
+                        <a:t>$21,521</a:t>
                       </a:r>
                     </a:p>
                   </a:txBody>
